--- a/icon.pptx
+++ b/icon.pptx
@@ -104,6 +104,11 @@
       </a:defRPr>
     </a:lvl9pPr>
   </p:defaultTextStyle>
+  <p:extLst>
+    <p:ext uri="{EFAFB233-063F-42B5-8137-9DF3F51BA10A}">
+      <p15:sldGuideLst xmlns:p15="http://schemas.microsoft.com/office/powerpoint/2012/main"/>
+    </p:ext>
+  </p:extLst>
 </p:presentation>
 </file>
 
@@ -256,7 +261,7 @@
           <a:p>
             <a:fld id="{3644FA32-1E1A-AE4C-B0DA-52617768CE5C}" type="datetimeFigureOut">
               <a:rPr lang="es-ES" smtClean="0"/>
-              <a:t>22/9/18</a:t>
+              <a:t>23/9/18</a:t>
             </a:fld>
             <a:endParaRPr lang="es-ES"/>
           </a:p>
@@ -456,7 +461,7 @@
           <a:p>
             <a:fld id="{3644FA32-1E1A-AE4C-B0DA-52617768CE5C}" type="datetimeFigureOut">
               <a:rPr lang="es-ES" smtClean="0"/>
-              <a:t>22/9/18</a:t>
+              <a:t>23/9/18</a:t>
             </a:fld>
             <a:endParaRPr lang="es-ES"/>
           </a:p>
@@ -666,7 +671,7 @@
           <a:p>
             <a:fld id="{3644FA32-1E1A-AE4C-B0DA-52617768CE5C}" type="datetimeFigureOut">
               <a:rPr lang="es-ES" smtClean="0"/>
-              <a:t>22/9/18</a:t>
+              <a:t>23/9/18</a:t>
             </a:fld>
             <a:endParaRPr lang="es-ES"/>
           </a:p>
@@ -866,7 +871,7 @@
           <a:p>
             <a:fld id="{3644FA32-1E1A-AE4C-B0DA-52617768CE5C}" type="datetimeFigureOut">
               <a:rPr lang="es-ES" smtClean="0"/>
-              <a:t>22/9/18</a:t>
+              <a:t>23/9/18</a:t>
             </a:fld>
             <a:endParaRPr lang="es-ES"/>
           </a:p>
@@ -1142,7 +1147,7 @@
           <a:p>
             <a:fld id="{3644FA32-1E1A-AE4C-B0DA-52617768CE5C}" type="datetimeFigureOut">
               <a:rPr lang="es-ES" smtClean="0"/>
-              <a:t>22/9/18</a:t>
+              <a:t>23/9/18</a:t>
             </a:fld>
             <a:endParaRPr lang="es-ES"/>
           </a:p>
@@ -1410,7 +1415,7 @@
           <a:p>
             <a:fld id="{3644FA32-1E1A-AE4C-B0DA-52617768CE5C}" type="datetimeFigureOut">
               <a:rPr lang="es-ES" smtClean="0"/>
-              <a:t>22/9/18</a:t>
+              <a:t>23/9/18</a:t>
             </a:fld>
             <a:endParaRPr lang="es-ES"/>
           </a:p>
@@ -1825,7 +1830,7 @@
           <a:p>
             <a:fld id="{3644FA32-1E1A-AE4C-B0DA-52617768CE5C}" type="datetimeFigureOut">
               <a:rPr lang="es-ES" smtClean="0"/>
-              <a:t>22/9/18</a:t>
+              <a:t>23/9/18</a:t>
             </a:fld>
             <a:endParaRPr lang="es-ES"/>
           </a:p>
@@ -1967,7 +1972,7 @@
           <a:p>
             <a:fld id="{3644FA32-1E1A-AE4C-B0DA-52617768CE5C}" type="datetimeFigureOut">
               <a:rPr lang="es-ES" smtClean="0"/>
-              <a:t>22/9/18</a:t>
+              <a:t>23/9/18</a:t>
             </a:fld>
             <a:endParaRPr lang="es-ES"/>
           </a:p>
@@ -2080,7 +2085,7 @@
           <a:p>
             <a:fld id="{3644FA32-1E1A-AE4C-B0DA-52617768CE5C}" type="datetimeFigureOut">
               <a:rPr lang="es-ES" smtClean="0"/>
-              <a:t>22/9/18</a:t>
+              <a:t>23/9/18</a:t>
             </a:fld>
             <a:endParaRPr lang="es-ES"/>
           </a:p>
@@ -2393,7 +2398,7 @@
           <a:p>
             <a:fld id="{3644FA32-1E1A-AE4C-B0DA-52617768CE5C}" type="datetimeFigureOut">
               <a:rPr lang="es-ES" smtClean="0"/>
-              <a:t>22/9/18</a:t>
+              <a:t>23/9/18</a:t>
             </a:fld>
             <a:endParaRPr lang="es-ES"/>
           </a:p>
@@ -2682,7 +2687,7 @@
           <a:p>
             <a:fld id="{3644FA32-1E1A-AE4C-B0DA-52617768CE5C}" type="datetimeFigureOut">
               <a:rPr lang="es-ES" smtClean="0"/>
-              <a:t>22/9/18</a:t>
+              <a:t>23/9/18</a:t>
             </a:fld>
             <a:endParaRPr lang="es-ES"/>
           </a:p>
@@ -2925,7 +2930,7 @@
           <a:p>
             <a:fld id="{3644FA32-1E1A-AE4C-B0DA-52617768CE5C}" type="datetimeFigureOut">
               <a:rPr lang="es-ES" smtClean="0"/>
-              <a:t>22/9/18</a:t>
+              <a:t>23/9/18</a:t>
             </a:fld>
             <a:endParaRPr lang="es-ES"/>
           </a:p>
@@ -3344,10 +3349,10 @@
       </p:grpSpPr>
       <p:sp>
         <p:nvSpPr>
-          <p:cNvPr id="6" name="Rounded Rectangle 5">
-            <a:extLst>
-              <a:ext uri="{FF2B5EF4-FFF2-40B4-BE49-F238E27FC236}">
-                <a16:creationId xmlns:a16="http://schemas.microsoft.com/office/drawing/2014/main" id="{9412CB0A-657F-E44E-9698-FB5EE96BC619}"/>
+          <p:cNvPr id="2" name="Rectangle 1">
+            <a:extLst>
+              <a:ext uri="{FF2B5EF4-FFF2-40B4-BE49-F238E27FC236}">
+                <a16:creationId xmlns:a16="http://schemas.microsoft.com/office/drawing/2014/main" id="{823C3ACB-0010-914A-911C-E0C8C42364B4}"/>
               </a:ext>
             </a:extLst>
           </p:cNvPr>
@@ -3356,118 +3361,10 @@
         </p:nvSpPr>
         <p:spPr>
           <a:xfrm>
-            <a:off x="2650732" y="274834"/>
-            <a:ext cx="4469259" cy="6308332"/>
+            <a:off x="-138544" y="-133926"/>
+            <a:ext cx="11794836" cy="7287490"/>
           </a:xfrm>
-          <a:prstGeom prst="roundRect">
-            <a:avLst>
-              <a:gd name="adj" fmla="val 10000"/>
-            </a:avLst>
-          </a:prstGeom>
-          <a:solidFill>
-            <a:srgbClr val="222222"/>
-          </a:solidFill>
-          <a:ln>
-            <a:noFill/>
-          </a:ln>
-        </p:spPr>
-        <p:style>
-          <a:lnRef idx="2">
-            <a:schemeClr val="accent1">
-              <a:shade val="50000"/>
-            </a:schemeClr>
-          </a:lnRef>
-          <a:fillRef idx="1">
-            <a:schemeClr val="accent1"/>
-          </a:fillRef>
-          <a:effectRef idx="0">
-            <a:schemeClr val="accent1"/>
-          </a:effectRef>
-          <a:fontRef idx="minor">
-            <a:schemeClr val="lt1"/>
-          </a:fontRef>
-        </p:style>
-        <p:txBody>
-          <a:bodyPr rtlCol="0" anchor="ctr"/>
-          <a:lstStyle/>
-          <a:p>
-            <a:pPr algn="ctr"/>
-            <a:endParaRPr lang="es-ES"/>
-          </a:p>
-        </p:txBody>
-      </p:sp>
-      <p:sp>
-        <p:nvSpPr>
-          <p:cNvPr id="7" name="Rounded Rectangle 6">
-            <a:extLst>
-              <a:ext uri="{FF2B5EF4-FFF2-40B4-BE49-F238E27FC236}">
-                <a16:creationId xmlns:a16="http://schemas.microsoft.com/office/drawing/2014/main" id="{283E8225-F9C4-7249-8847-F1B27446D72C}"/>
-              </a:ext>
-            </a:extLst>
-          </p:cNvPr>
-          <p:cNvSpPr/>
-          <p:nvPr/>
-        </p:nvSpPr>
-        <p:spPr>
-          <a:xfrm>
-            <a:off x="3055704" y="684088"/>
-            <a:ext cx="3659314" cy="1555678"/>
-          </a:xfrm>
-          <a:prstGeom prst="roundRect">
-            <a:avLst>
-              <a:gd name="adj" fmla="val 19906"/>
-            </a:avLst>
-          </a:prstGeom>
-          <a:solidFill>
-            <a:srgbClr val="515151"/>
-          </a:solidFill>
-          <a:ln>
-            <a:noFill/>
-          </a:ln>
-        </p:spPr>
-        <p:style>
-          <a:lnRef idx="2">
-            <a:schemeClr val="accent1">
-              <a:shade val="50000"/>
-            </a:schemeClr>
-          </a:lnRef>
-          <a:fillRef idx="1">
-            <a:schemeClr val="accent1"/>
-          </a:fillRef>
-          <a:effectRef idx="0">
-            <a:schemeClr val="accent1"/>
-          </a:effectRef>
-          <a:fontRef idx="minor">
-            <a:schemeClr val="lt1"/>
-          </a:fontRef>
-        </p:style>
-        <p:txBody>
-          <a:bodyPr rtlCol="0" anchor="ctr"/>
-          <a:lstStyle/>
-          <a:p>
-            <a:pPr algn="ctr"/>
-            <a:endParaRPr lang="es-ES"/>
-          </a:p>
-        </p:txBody>
-      </p:sp>
-      <p:sp>
-        <p:nvSpPr>
-          <p:cNvPr id="8" name="Oval 7">
-            <a:extLst>
-              <a:ext uri="{FF2B5EF4-FFF2-40B4-BE49-F238E27FC236}">
-                <a16:creationId xmlns:a16="http://schemas.microsoft.com/office/drawing/2014/main" id="{F2FF205C-6D40-6945-9779-93BD146F329C}"/>
-              </a:ext>
-            </a:extLst>
-          </p:cNvPr>
-          <p:cNvSpPr/>
-          <p:nvPr/>
-        </p:nvSpPr>
-        <p:spPr>
-          <a:xfrm>
-            <a:off x="3055704" y="2514600"/>
-            <a:ext cx="914400" cy="914400"/>
-          </a:xfrm>
-          <a:prstGeom prst="ellipse">
+          <a:prstGeom prst="rect">
             <a:avLst/>
           </a:prstGeom>
           <a:solidFill>
@@ -3502,372 +3399,553 @@
           </a:p>
         </p:txBody>
       </p:sp>
-      <p:sp>
-        <p:nvSpPr>
-          <p:cNvPr id="9" name="Oval 8">
-            <a:extLst>
-              <a:ext uri="{FF2B5EF4-FFF2-40B4-BE49-F238E27FC236}">
-                <a16:creationId xmlns:a16="http://schemas.microsoft.com/office/drawing/2014/main" id="{907DDF35-32CD-DE4F-825F-81209EC596E0}"/>
-              </a:ext>
-            </a:extLst>
-          </p:cNvPr>
-          <p:cNvSpPr/>
+      <p:grpSp>
+        <p:nvGrpSpPr>
+          <p:cNvPr id="4" name="Group 3">
+            <a:extLst>
+              <a:ext uri="{FF2B5EF4-FFF2-40B4-BE49-F238E27FC236}">
+                <a16:creationId xmlns:a16="http://schemas.microsoft.com/office/drawing/2014/main" id="{F817101A-AEC9-854C-A75F-71AF818B0EA5}"/>
+              </a:ext>
+            </a:extLst>
+          </p:cNvPr>
+          <p:cNvGrpSpPr/>
           <p:nvPr/>
-        </p:nvSpPr>
-        <p:spPr>
+        </p:nvGrpSpPr>
+        <p:grpSpPr>
           <a:xfrm>
-            <a:off x="5803984" y="2514600"/>
-            <a:ext cx="914400" cy="914400"/>
+            <a:off x="2733860" y="85488"/>
+            <a:ext cx="4469259" cy="6308332"/>
+            <a:chOff x="2733860" y="85488"/>
+            <a:chExt cx="4469259" cy="6308332"/>
           </a:xfrm>
-          <a:prstGeom prst="ellipse">
-            <a:avLst/>
-          </a:prstGeom>
-          <a:solidFill>
-            <a:srgbClr val="00A388"/>
-          </a:solidFill>
-          <a:ln>
-            <a:noFill/>
-          </a:ln>
-        </p:spPr>
-        <p:style>
-          <a:lnRef idx="2">
-            <a:schemeClr val="accent1">
-              <a:shade val="50000"/>
-            </a:schemeClr>
-          </a:lnRef>
-          <a:fillRef idx="1">
-            <a:schemeClr val="accent1"/>
-          </a:fillRef>
-          <a:effectRef idx="0">
-            <a:schemeClr val="accent1"/>
-          </a:effectRef>
-          <a:fontRef idx="minor">
-            <a:schemeClr val="lt1"/>
-          </a:fontRef>
-        </p:style>
-        <p:txBody>
-          <a:bodyPr rtlCol="0" anchor="ctr"/>
-          <a:lstStyle/>
-          <a:p>
-            <a:pPr algn="ctr"/>
-            <a:endParaRPr lang="es-ES"/>
-          </a:p>
-        </p:txBody>
-      </p:sp>
-      <p:sp>
-        <p:nvSpPr>
-          <p:cNvPr id="10" name="Oval 9">
-            <a:extLst>
-              <a:ext uri="{FF2B5EF4-FFF2-40B4-BE49-F238E27FC236}">
-                <a16:creationId xmlns:a16="http://schemas.microsoft.com/office/drawing/2014/main" id="{B0EFE3F3-8BF3-594B-AFAB-EA352CBE206C}"/>
-              </a:ext>
-            </a:extLst>
-          </p:cNvPr>
-          <p:cNvSpPr/>
-          <p:nvPr/>
-        </p:nvSpPr>
-        <p:spPr>
-          <a:xfrm>
-            <a:off x="4426152" y="2514600"/>
-            <a:ext cx="914400" cy="914400"/>
-          </a:xfrm>
-          <a:prstGeom prst="ellipse">
-            <a:avLst/>
-          </a:prstGeom>
-          <a:solidFill>
-            <a:srgbClr val="D2D2D2"/>
-          </a:solidFill>
-          <a:ln>
-            <a:noFill/>
-          </a:ln>
-        </p:spPr>
-        <p:style>
-          <a:lnRef idx="2">
-            <a:schemeClr val="accent1">
-              <a:shade val="50000"/>
-            </a:schemeClr>
-          </a:lnRef>
-          <a:fillRef idx="1">
-            <a:schemeClr val="accent1"/>
-          </a:fillRef>
-          <a:effectRef idx="0">
-            <a:schemeClr val="accent1"/>
-          </a:effectRef>
-          <a:fontRef idx="minor">
-            <a:schemeClr val="lt1"/>
-          </a:fontRef>
-        </p:style>
-        <p:txBody>
-          <a:bodyPr rtlCol="0" anchor="ctr"/>
-          <a:lstStyle/>
-          <a:p>
-            <a:pPr algn="ctr"/>
-            <a:endParaRPr lang="es-ES"/>
-          </a:p>
-        </p:txBody>
-      </p:sp>
-      <p:sp>
-        <p:nvSpPr>
-          <p:cNvPr id="11" name="Oval 10">
-            <a:extLst>
-              <a:ext uri="{FF2B5EF4-FFF2-40B4-BE49-F238E27FC236}">
-                <a16:creationId xmlns:a16="http://schemas.microsoft.com/office/drawing/2014/main" id="{2421EF21-1CC5-A44E-825C-031D57B33B59}"/>
-              </a:ext>
-            </a:extLst>
-          </p:cNvPr>
-          <p:cNvSpPr/>
-          <p:nvPr/>
-        </p:nvSpPr>
-        <p:spPr>
-          <a:xfrm>
-            <a:off x="3055704" y="3853249"/>
-            <a:ext cx="914400" cy="914400"/>
-          </a:xfrm>
-          <a:prstGeom prst="ellipse">
-            <a:avLst/>
-          </a:prstGeom>
-          <a:solidFill>
-            <a:srgbClr val="D2D2D2"/>
-          </a:solidFill>
-          <a:ln>
-            <a:noFill/>
-          </a:ln>
-        </p:spPr>
-        <p:style>
-          <a:lnRef idx="2">
-            <a:schemeClr val="accent1">
-              <a:shade val="50000"/>
-            </a:schemeClr>
-          </a:lnRef>
-          <a:fillRef idx="1">
-            <a:schemeClr val="accent1"/>
-          </a:fillRef>
-          <a:effectRef idx="0">
-            <a:schemeClr val="accent1"/>
-          </a:effectRef>
-          <a:fontRef idx="minor">
-            <a:schemeClr val="lt1"/>
-          </a:fontRef>
-        </p:style>
-        <p:txBody>
-          <a:bodyPr rtlCol="0" anchor="ctr"/>
-          <a:lstStyle/>
-          <a:p>
-            <a:pPr algn="ctr"/>
-            <a:endParaRPr lang="es-ES"/>
-          </a:p>
-        </p:txBody>
-      </p:sp>
-      <p:sp>
-        <p:nvSpPr>
-          <p:cNvPr id="12" name="Oval 11">
-            <a:extLst>
-              <a:ext uri="{FF2B5EF4-FFF2-40B4-BE49-F238E27FC236}">
-                <a16:creationId xmlns:a16="http://schemas.microsoft.com/office/drawing/2014/main" id="{00F76259-0BCB-DC43-BAD9-20879C63ADBD}"/>
-              </a:ext>
-            </a:extLst>
-          </p:cNvPr>
-          <p:cNvSpPr/>
-          <p:nvPr/>
-        </p:nvSpPr>
-        <p:spPr>
-          <a:xfrm>
-            <a:off x="5803984" y="3853249"/>
-            <a:ext cx="914400" cy="914400"/>
-          </a:xfrm>
-          <a:prstGeom prst="ellipse">
-            <a:avLst/>
-          </a:prstGeom>
-          <a:solidFill>
-            <a:srgbClr val="00A388"/>
-          </a:solidFill>
-          <a:ln>
-            <a:noFill/>
-          </a:ln>
-        </p:spPr>
-        <p:style>
-          <a:lnRef idx="2">
-            <a:schemeClr val="accent1">
-              <a:shade val="50000"/>
-            </a:schemeClr>
-          </a:lnRef>
-          <a:fillRef idx="1">
-            <a:schemeClr val="accent1"/>
-          </a:fillRef>
-          <a:effectRef idx="0">
-            <a:schemeClr val="accent1"/>
-          </a:effectRef>
-          <a:fontRef idx="minor">
-            <a:schemeClr val="lt1"/>
-          </a:fontRef>
-        </p:style>
-        <p:txBody>
-          <a:bodyPr rtlCol="0" anchor="ctr"/>
-          <a:lstStyle/>
-          <a:p>
-            <a:pPr algn="ctr"/>
-            <a:endParaRPr lang="es-ES"/>
-          </a:p>
-        </p:txBody>
-      </p:sp>
-      <p:sp>
-        <p:nvSpPr>
-          <p:cNvPr id="13" name="Oval 12">
-            <a:extLst>
-              <a:ext uri="{FF2B5EF4-FFF2-40B4-BE49-F238E27FC236}">
-                <a16:creationId xmlns:a16="http://schemas.microsoft.com/office/drawing/2014/main" id="{20B0CF67-8AF2-B543-B663-DD9552DFFCA0}"/>
-              </a:ext>
-            </a:extLst>
-          </p:cNvPr>
-          <p:cNvSpPr/>
-          <p:nvPr/>
-        </p:nvSpPr>
-        <p:spPr>
-          <a:xfrm>
-            <a:off x="4426152" y="3853249"/>
-            <a:ext cx="914400" cy="914400"/>
-          </a:xfrm>
-          <a:prstGeom prst="ellipse">
-            <a:avLst/>
-          </a:prstGeom>
-          <a:solidFill>
-            <a:srgbClr val="D2D2D2"/>
-          </a:solidFill>
-          <a:ln>
-            <a:noFill/>
-          </a:ln>
-        </p:spPr>
-        <p:style>
-          <a:lnRef idx="2">
-            <a:schemeClr val="accent1">
-              <a:shade val="50000"/>
-            </a:schemeClr>
-          </a:lnRef>
-          <a:fillRef idx="1">
-            <a:schemeClr val="accent1"/>
-          </a:fillRef>
-          <a:effectRef idx="0">
-            <a:schemeClr val="accent1"/>
-          </a:effectRef>
-          <a:fontRef idx="minor">
-            <a:schemeClr val="lt1"/>
-          </a:fontRef>
-        </p:style>
-        <p:txBody>
-          <a:bodyPr rtlCol="0" anchor="ctr"/>
-          <a:lstStyle/>
-          <a:p>
-            <a:pPr algn="ctr"/>
-            <a:endParaRPr lang="es-ES"/>
-          </a:p>
-        </p:txBody>
-      </p:sp>
-      <p:sp>
-        <p:nvSpPr>
-          <p:cNvPr id="15" name="Oval 14">
-            <a:extLst>
-              <a:ext uri="{FF2B5EF4-FFF2-40B4-BE49-F238E27FC236}">
-                <a16:creationId xmlns:a16="http://schemas.microsoft.com/office/drawing/2014/main" id="{FDA8A180-E524-374E-8C4B-AD2EEC99D949}"/>
-              </a:ext>
-            </a:extLst>
-          </p:cNvPr>
-          <p:cNvSpPr/>
-          <p:nvPr/>
-        </p:nvSpPr>
-        <p:spPr>
-          <a:xfrm>
-            <a:off x="5803984" y="5191898"/>
-            <a:ext cx="914400" cy="914400"/>
-          </a:xfrm>
-          <a:prstGeom prst="ellipse">
-            <a:avLst/>
-          </a:prstGeom>
-          <a:solidFill>
-            <a:srgbClr val="00A388"/>
-          </a:solidFill>
-          <a:ln>
-            <a:noFill/>
-          </a:ln>
-        </p:spPr>
-        <p:style>
-          <a:lnRef idx="2">
-            <a:schemeClr val="accent1">
-              <a:shade val="50000"/>
-            </a:schemeClr>
-          </a:lnRef>
-          <a:fillRef idx="1">
-            <a:schemeClr val="accent1"/>
-          </a:fillRef>
-          <a:effectRef idx="0">
-            <a:schemeClr val="accent1"/>
-          </a:effectRef>
-          <a:fontRef idx="minor">
-            <a:schemeClr val="lt1"/>
-          </a:fontRef>
-        </p:style>
-        <p:txBody>
-          <a:bodyPr rtlCol="0" anchor="ctr"/>
-          <a:lstStyle/>
-          <a:p>
-            <a:pPr algn="ctr"/>
-            <a:endParaRPr lang="es-ES"/>
-          </a:p>
-        </p:txBody>
-      </p:sp>
-      <p:sp>
-        <p:nvSpPr>
-          <p:cNvPr id="17" name="Rounded Rectangle 16">
-            <a:extLst>
-              <a:ext uri="{FF2B5EF4-FFF2-40B4-BE49-F238E27FC236}">
-                <a16:creationId xmlns:a16="http://schemas.microsoft.com/office/drawing/2014/main" id="{14E77454-EBC3-4F4F-9E05-08CCF21EE0BD}"/>
-              </a:ext>
-            </a:extLst>
-          </p:cNvPr>
-          <p:cNvSpPr/>
-          <p:nvPr/>
-        </p:nvSpPr>
-        <p:spPr>
-          <a:xfrm>
-            <a:off x="3055705" y="5191898"/>
-            <a:ext cx="2284848" cy="914400"/>
-          </a:xfrm>
-          <a:prstGeom prst="roundRect">
-            <a:avLst>
-              <a:gd name="adj" fmla="val 50000"/>
-            </a:avLst>
-          </a:prstGeom>
-          <a:solidFill>
-            <a:srgbClr val="D2D2D2"/>
-          </a:solidFill>
-          <a:ln>
-            <a:noFill/>
-          </a:ln>
-        </p:spPr>
-        <p:style>
-          <a:lnRef idx="2">
-            <a:schemeClr val="accent1">
-              <a:shade val="50000"/>
-            </a:schemeClr>
-          </a:lnRef>
-          <a:fillRef idx="1">
-            <a:schemeClr val="accent1"/>
-          </a:fillRef>
-          <a:effectRef idx="0">
-            <a:schemeClr val="accent1"/>
-          </a:effectRef>
-          <a:fontRef idx="minor">
-            <a:schemeClr val="lt1"/>
-          </a:fontRef>
-        </p:style>
-        <p:txBody>
-          <a:bodyPr rtlCol="0" anchor="ctr"/>
-          <a:lstStyle/>
-          <a:p>
-            <a:pPr algn="ctr"/>
-            <a:endParaRPr lang="es-ES"/>
-          </a:p>
-        </p:txBody>
-      </p:sp>
+        </p:grpSpPr>
+        <p:sp>
+          <p:nvSpPr>
+            <p:cNvPr id="6" name="Rounded Rectangle 5">
+              <a:extLst>
+                <a:ext uri="{FF2B5EF4-FFF2-40B4-BE49-F238E27FC236}">
+                  <a16:creationId xmlns:a16="http://schemas.microsoft.com/office/drawing/2014/main" id="{9412CB0A-657F-E44E-9698-FB5EE96BC619}"/>
+                </a:ext>
+              </a:extLst>
+            </p:cNvPr>
+            <p:cNvSpPr/>
+            <p:nvPr/>
+          </p:nvSpPr>
+          <p:spPr>
+            <a:xfrm>
+              <a:off x="2733860" y="85488"/>
+              <a:ext cx="4469259" cy="6308332"/>
+            </a:xfrm>
+            <a:prstGeom prst="roundRect">
+              <a:avLst>
+                <a:gd name="adj" fmla="val 10000"/>
+              </a:avLst>
+            </a:prstGeom>
+            <a:solidFill>
+              <a:srgbClr val="222222"/>
+            </a:solidFill>
+            <a:ln>
+              <a:noFill/>
+            </a:ln>
+          </p:spPr>
+          <p:style>
+            <a:lnRef idx="2">
+              <a:schemeClr val="accent1">
+                <a:shade val="50000"/>
+              </a:schemeClr>
+            </a:lnRef>
+            <a:fillRef idx="1">
+              <a:schemeClr val="accent1"/>
+            </a:fillRef>
+            <a:effectRef idx="0">
+              <a:schemeClr val="accent1"/>
+            </a:effectRef>
+            <a:fontRef idx="minor">
+              <a:schemeClr val="lt1"/>
+            </a:fontRef>
+          </p:style>
+          <p:txBody>
+            <a:bodyPr rtlCol="0" anchor="ctr"/>
+            <a:lstStyle/>
+            <a:p>
+              <a:pPr algn="ctr"/>
+              <a:endParaRPr lang="es-ES"/>
+            </a:p>
+          </p:txBody>
+        </p:sp>
+        <p:sp>
+          <p:nvSpPr>
+            <p:cNvPr id="7" name="Rounded Rectangle 6">
+              <a:extLst>
+                <a:ext uri="{FF2B5EF4-FFF2-40B4-BE49-F238E27FC236}">
+                  <a16:creationId xmlns:a16="http://schemas.microsoft.com/office/drawing/2014/main" id="{283E8225-F9C4-7249-8847-F1B27446D72C}"/>
+                </a:ext>
+              </a:extLst>
+            </p:cNvPr>
+            <p:cNvSpPr/>
+            <p:nvPr/>
+          </p:nvSpPr>
+          <p:spPr>
+            <a:xfrm>
+              <a:off x="3138832" y="494742"/>
+              <a:ext cx="3659314" cy="1555678"/>
+            </a:xfrm>
+            <a:prstGeom prst="roundRect">
+              <a:avLst>
+                <a:gd name="adj" fmla="val 19906"/>
+              </a:avLst>
+            </a:prstGeom>
+            <a:solidFill>
+              <a:srgbClr val="515151"/>
+            </a:solidFill>
+            <a:ln>
+              <a:noFill/>
+            </a:ln>
+          </p:spPr>
+          <p:style>
+            <a:lnRef idx="2">
+              <a:schemeClr val="accent1">
+                <a:shade val="50000"/>
+              </a:schemeClr>
+            </a:lnRef>
+            <a:fillRef idx="1">
+              <a:schemeClr val="accent1"/>
+            </a:fillRef>
+            <a:effectRef idx="0">
+              <a:schemeClr val="accent1"/>
+            </a:effectRef>
+            <a:fontRef idx="minor">
+              <a:schemeClr val="lt1"/>
+            </a:fontRef>
+          </p:style>
+          <p:txBody>
+            <a:bodyPr rtlCol="0" anchor="ctr"/>
+            <a:lstStyle/>
+            <a:p>
+              <a:pPr algn="ctr"/>
+              <a:endParaRPr lang="es-ES"/>
+            </a:p>
+          </p:txBody>
+        </p:sp>
+        <p:sp>
+          <p:nvSpPr>
+            <p:cNvPr id="8" name="Oval 7">
+              <a:extLst>
+                <a:ext uri="{FF2B5EF4-FFF2-40B4-BE49-F238E27FC236}">
+                  <a16:creationId xmlns:a16="http://schemas.microsoft.com/office/drawing/2014/main" id="{F2FF205C-6D40-6945-9779-93BD146F329C}"/>
+                </a:ext>
+              </a:extLst>
+            </p:cNvPr>
+            <p:cNvSpPr/>
+            <p:nvPr/>
+          </p:nvSpPr>
+          <p:spPr>
+            <a:xfrm>
+              <a:off x="3138832" y="2325254"/>
+              <a:ext cx="914400" cy="914400"/>
+            </a:xfrm>
+            <a:prstGeom prst="ellipse">
+              <a:avLst/>
+            </a:prstGeom>
+            <a:solidFill>
+              <a:srgbClr val="D2D2D2"/>
+            </a:solidFill>
+            <a:ln>
+              <a:noFill/>
+            </a:ln>
+          </p:spPr>
+          <p:style>
+            <a:lnRef idx="2">
+              <a:schemeClr val="accent1">
+                <a:shade val="50000"/>
+              </a:schemeClr>
+            </a:lnRef>
+            <a:fillRef idx="1">
+              <a:schemeClr val="accent1"/>
+            </a:fillRef>
+            <a:effectRef idx="0">
+              <a:schemeClr val="accent1"/>
+            </a:effectRef>
+            <a:fontRef idx="minor">
+              <a:schemeClr val="lt1"/>
+            </a:fontRef>
+          </p:style>
+          <p:txBody>
+            <a:bodyPr rtlCol="0" anchor="ctr"/>
+            <a:lstStyle/>
+            <a:p>
+              <a:pPr algn="ctr"/>
+              <a:endParaRPr lang="es-ES"/>
+            </a:p>
+          </p:txBody>
+        </p:sp>
+        <p:sp>
+          <p:nvSpPr>
+            <p:cNvPr id="9" name="Oval 8">
+              <a:extLst>
+                <a:ext uri="{FF2B5EF4-FFF2-40B4-BE49-F238E27FC236}">
+                  <a16:creationId xmlns:a16="http://schemas.microsoft.com/office/drawing/2014/main" id="{907DDF35-32CD-DE4F-825F-81209EC596E0}"/>
+                </a:ext>
+              </a:extLst>
+            </p:cNvPr>
+            <p:cNvSpPr/>
+            <p:nvPr/>
+          </p:nvSpPr>
+          <p:spPr>
+            <a:xfrm>
+              <a:off x="5887112" y="2325254"/>
+              <a:ext cx="914400" cy="914400"/>
+            </a:xfrm>
+            <a:prstGeom prst="ellipse">
+              <a:avLst/>
+            </a:prstGeom>
+            <a:solidFill>
+              <a:srgbClr val="00A388"/>
+            </a:solidFill>
+            <a:ln>
+              <a:noFill/>
+            </a:ln>
+          </p:spPr>
+          <p:style>
+            <a:lnRef idx="2">
+              <a:schemeClr val="accent1">
+                <a:shade val="50000"/>
+              </a:schemeClr>
+            </a:lnRef>
+            <a:fillRef idx="1">
+              <a:schemeClr val="accent1"/>
+            </a:fillRef>
+            <a:effectRef idx="0">
+              <a:schemeClr val="accent1"/>
+            </a:effectRef>
+            <a:fontRef idx="minor">
+              <a:schemeClr val="lt1"/>
+            </a:fontRef>
+          </p:style>
+          <p:txBody>
+            <a:bodyPr rtlCol="0" anchor="ctr"/>
+            <a:lstStyle/>
+            <a:p>
+              <a:pPr algn="ctr"/>
+              <a:endParaRPr lang="es-ES"/>
+            </a:p>
+          </p:txBody>
+        </p:sp>
+        <p:sp>
+          <p:nvSpPr>
+            <p:cNvPr id="10" name="Oval 9">
+              <a:extLst>
+                <a:ext uri="{FF2B5EF4-FFF2-40B4-BE49-F238E27FC236}">
+                  <a16:creationId xmlns:a16="http://schemas.microsoft.com/office/drawing/2014/main" id="{B0EFE3F3-8BF3-594B-AFAB-EA352CBE206C}"/>
+                </a:ext>
+              </a:extLst>
+            </p:cNvPr>
+            <p:cNvSpPr/>
+            <p:nvPr/>
+          </p:nvSpPr>
+          <p:spPr>
+            <a:xfrm>
+              <a:off x="4509280" y="2325254"/>
+              <a:ext cx="914400" cy="914400"/>
+            </a:xfrm>
+            <a:prstGeom prst="ellipse">
+              <a:avLst/>
+            </a:prstGeom>
+            <a:solidFill>
+              <a:srgbClr val="D2D2D2"/>
+            </a:solidFill>
+            <a:ln>
+              <a:noFill/>
+            </a:ln>
+          </p:spPr>
+          <p:style>
+            <a:lnRef idx="2">
+              <a:schemeClr val="accent1">
+                <a:shade val="50000"/>
+              </a:schemeClr>
+            </a:lnRef>
+            <a:fillRef idx="1">
+              <a:schemeClr val="accent1"/>
+            </a:fillRef>
+            <a:effectRef idx="0">
+              <a:schemeClr val="accent1"/>
+            </a:effectRef>
+            <a:fontRef idx="minor">
+              <a:schemeClr val="lt1"/>
+            </a:fontRef>
+          </p:style>
+          <p:txBody>
+            <a:bodyPr rtlCol="0" anchor="ctr"/>
+            <a:lstStyle/>
+            <a:p>
+              <a:pPr algn="ctr"/>
+              <a:endParaRPr lang="es-ES"/>
+            </a:p>
+          </p:txBody>
+        </p:sp>
+        <p:sp>
+          <p:nvSpPr>
+            <p:cNvPr id="11" name="Oval 10">
+              <a:extLst>
+                <a:ext uri="{FF2B5EF4-FFF2-40B4-BE49-F238E27FC236}">
+                  <a16:creationId xmlns:a16="http://schemas.microsoft.com/office/drawing/2014/main" id="{2421EF21-1CC5-A44E-825C-031D57B33B59}"/>
+                </a:ext>
+              </a:extLst>
+            </p:cNvPr>
+            <p:cNvSpPr/>
+            <p:nvPr/>
+          </p:nvSpPr>
+          <p:spPr>
+            <a:xfrm>
+              <a:off x="3138832" y="3663903"/>
+              <a:ext cx="914400" cy="914400"/>
+            </a:xfrm>
+            <a:prstGeom prst="ellipse">
+              <a:avLst/>
+            </a:prstGeom>
+            <a:solidFill>
+              <a:srgbClr val="D2D2D2"/>
+            </a:solidFill>
+            <a:ln>
+              <a:noFill/>
+            </a:ln>
+          </p:spPr>
+          <p:style>
+            <a:lnRef idx="2">
+              <a:schemeClr val="accent1">
+                <a:shade val="50000"/>
+              </a:schemeClr>
+            </a:lnRef>
+            <a:fillRef idx="1">
+              <a:schemeClr val="accent1"/>
+            </a:fillRef>
+            <a:effectRef idx="0">
+              <a:schemeClr val="accent1"/>
+            </a:effectRef>
+            <a:fontRef idx="minor">
+              <a:schemeClr val="lt1"/>
+            </a:fontRef>
+          </p:style>
+          <p:txBody>
+            <a:bodyPr rtlCol="0" anchor="ctr"/>
+            <a:lstStyle/>
+            <a:p>
+              <a:pPr algn="ctr"/>
+              <a:endParaRPr lang="es-ES"/>
+            </a:p>
+          </p:txBody>
+        </p:sp>
+        <p:sp>
+          <p:nvSpPr>
+            <p:cNvPr id="12" name="Oval 11">
+              <a:extLst>
+                <a:ext uri="{FF2B5EF4-FFF2-40B4-BE49-F238E27FC236}">
+                  <a16:creationId xmlns:a16="http://schemas.microsoft.com/office/drawing/2014/main" id="{00F76259-0BCB-DC43-BAD9-20879C63ADBD}"/>
+                </a:ext>
+              </a:extLst>
+            </p:cNvPr>
+            <p:cNvSpPr/>
+            <p:nvPr/>
+          </p:nvSpPr>
+          <p:spPr>
+            <a:xfrm>
+              <a:off x="5887112" y="3663903"/>
+              <a:ext cx="914400" cy="914400"/>
+            </a:xfrm>
+            <a:prstGeom prst="ellipse">
+              <a:avLst/>
+            </a:prstGeom>
+            <a:solidFill>
+              <a:srgbClr val="00A388"/>
+            </a:solidFill>
+            <a:ln>
+              <a:noFill/>
+            </a:ln>
+          </p:spPr>
+          <p:style>
+            <a:lnRef idx="2">
+              <a:schemeClr val="accent1">
+                <a:shade val="50000"/>
+              </a:schemeClr>
+            </a:lnRef>
+            <a:fillRef idx="1">
+              <a:schemeClr val="accent1"/>
+            </a:fillRef>
+            <a:effectRef idx="0">
+              <a:schemeClr val="accent1"/>
+            </a:effectRef>
+            <a:fontRef idx="minor">
+              <a:schemeClr val="lt1"/>
+            </a:fontRef>
+          </p:style>
+          <p:txBody>
+            <a:bodyPr rtlCol="0" anchor="ctr"/>
+            <a:lstStyle/>
+            <a:p>
+              <a:pPr algn="ctr"/>
+              <a:endParaRPr lang="es-ES"/>
+            </a:p>
+          </p:txBody>
+        </p:sp>
+        <p:sp>
+          <p:nvSpPr>
+            <p:cNvPr id="13" name="Oval 12">
+              <a:extLst>
+                <a:ext uri="{FF2B5EF4-FFF2-40B4-BE49-F238E27FC236}">
+                  <a16:creationId xmlns:a16="http://schemas.microsoft.com/office/drawing/2014/main" id="{20B0CF67-8AF2-B543-B663-DD9552DFFCA0}"/>
+                </a:ext>
+              </a:extLst>
+            </p:cNvPr>
+            <p:cNvSpPr/>
+            <p:nvPr/>
+          </p:nvSpPr>
+          <p:spPr>
+            <a:xfrm>
+              <a:off x="4509280" y="3663903"/>
+              <a:ext cx="914400" cy="914400"/>
+            </a:xfrm>
+            <a:prstGeom prst="ellipse">
+              <a:avLst/>
+            </a:prstGeom>
+            <a:solidFill>
+              <a:srgbClr val="D2D2D2"/>
+            </a:solidFill>
+            <a:ln>
+              <a:noFill/>
+            </a:ln>
+          </p:spPr>
+          <p:style>
+            <a:lnRef idx="2">
+              <a:schemeClr val="accent1">
+                <a:shade val="50000"/>
+              </a:schemeClr>
+            </a:lnRef>
+            <a:fillRef idx="1">
+              <a:schemeClr val="accent1"/>
+            </a:fillRef>
+            <a:effectRef idx="0">
+              <a:schemeClr val="accent1"/>
+            </a:effectRef>
+            <a:fontRef idx="minor">
+              <a:schemeClr val="lt1"/>
+            </a:fontRef>
+          </p:style>
+          <p:txBody>
+            <a:bodyPr rtlCol="0" anchor="ctr"/>
+            <a:lstStyle/>
+            <a:p>
+              <a:pPr algn="ctr"/>
+              <a:endParaRPr lang="es-ES"/>
+            </a:p>
+          </p:txBody>
+        </p:sp>
+        <p:sp>
+          <p:nvSpPr>
+            <p:cNvPr id="15" name="Oval 14">
+              <a:extLst>
+                <a:ext uri="{FF2B5EF4-FFF2-40B4-BE49-F238E27FC236}">
+                  <a16:creationId xmlns:a16="http://schemas.microsoft.com/office/drawing/2014/main" id="{FDA8A180-E524-374E-8C4B-AD2EEC99D949}"/>
+                </a:ext>
+              </a:extLst>
+            </p:cNvPr>
+            <p:cNvSpPr/>
+            <p:nvPr/>
+          </p:nvSpPr>
+          <p:spPr>
+            <a:xfrm>
+              <a:off x="5887112" y="5002552"/>
+              <a:ext cx="914400" cy="914400"/>
+            </a:xfrm>
+            <a:prstGeom prst="ellipse">
+              <a:avLst/>
+            </a:prstGeom>
+            <a:solidFill>
+              <a:srgbClr val="00A388"/>
+            </a:solidFill>
+            <a:ln>
+              <a:noFill/>
+            </a:ln>
+          </p:spPr>
+          <p:style>
+            <a:lnRef idx="2">
+              <a:schemeClr val="accent1">
+                <a:shade val="50000"/>
+              </a:schemeClr>
+            </a:lnRef>
+            <a:fillRef idx="1">
+              <a:schemeClr val="accent1"/>
+            </a:fillRef>
+            <a:effectRef idx="0">
+              <a:schemeClr val="accent1"/>
+            </a:effectRef>
+            <a:fontRef idx="minor">
+              <a:schemeClr val="lt1"/>
+            </a:fontRef>
+          </p:style>
+          <p:txBody>
+            <a:bodyPr rtlCol="0" anchor="ctr"/>
+            <a:lstStyle/>
+            <a:p>
+              <a:pPr algn="ctr"/>
+              <a:endParaRPr lang="es-ES"/>
+            </a:p>
+          </p:txBody>
+        </p:sp>
+        <p:sp>
+          <p:nvSpPr>
+            <p:cNvPr id="17" name="Rounded Rectangle 16">
+              <a:extLst>
+                <a:ext uri="{FF2B5EF4-FFF2-40B4-BE49-F238E27FC236}">
+                  <a16:creationId xmlns:a16="http://schemas.microsoft.com/office/drawing/2014/main" id="{14E77454-EBC3-4F4F-9E05-08CCF21EE0BD}"/>
+                </a:ext>
+              </a:extLst>
+            </p:cNvPr>
+            <p:cNvSpPr/>
+            <p:nvPr/>
+          </p:nvSpPr>
+          <p:spPr>
+            <a:xfrm>
+              <a:off x="3138833" y="5002552"/>
+              <a:ext cx="2284848" cy="914400"/>
+            </a:xfrm>
+            <a:prstGeom prst="roundRect">
+              <a:avLst>
+                <a:gd name="adj" fmla="val 50000"/>
+              </a:avLst>
+            </a:prstGeom>
+            <a:solidFill>
+              <a:srgbClr val="D2D2D2"/>
+            </a:solidFill>
+            <a:ln>
+              <a:noFill/>
+            </a:ln>
+          </p:spPr>
+          <p:style>
+            <a:lnRef idx="2">
+              <a:schemeClr val="accent1">
+                <a:shade val="50000"/>
+              </a:schemeClr>
+            </a:lnRef>
+            <a:fillRef idx="1">
+              <a:schemeClr val="accent1"/>
+            </a:fillRef>
+            <a:effectRef idx="0">
+              <a:schemeClr val="accent1"/>
+            </a:effectRef>
+            <a:fontRef idx="minor">
+              <a:schemeClr val="lt1"/>
+            </a:fontRef>
+          </p:style>
+          <p:txBody>
+            <a:bodyPr rtlCol="0" anchor="ctr"/>
+            <a:lstStyle/>
+            <a:p>
+              <a:pPr algn="ctr"/>
+              <a:endParaRPr lang="es-ES"/>
+            </a:p>
+          </p:txBody>
+        </p:sp>
+      </p:grpSp>
     </p:spTree>
     <p:extLst>
       <p:ext uri="{BB962C8B-B14F-4D97-AF65-F5344CB8AC3E}">
